--- a/Figures_EP/MergeCluster/AD.pptx
+++ b/Figures_EP/MergeCluster/AD.pptx
@@ -208,7 +208,7 @@
           <a:p>
             <a:fld id="{FE4DCF00-3990-0448-82D8-96AFC5DCA7B6}" type="datetimeFigureOut">
               <a:rPr lang="en-US" smtClean="0"/>
-              <a:t>3/3/24</a:t>
+              <a:t>3/12/24</a:t>
             </a:fld>
             <a:endParaRPr lang="en-US"/>
           </a:p>
@@ -706,7 +706,7 @@
           <a:p>
             <a:fld id="{A998DA84-98B5-DD46-882D-8C2847B204BE}" type="datetimeFigureOut">
               <a:rPr lang="en-US" smtClean="0"/>
-              <a:t>3/3/24</a:t>
+              <a:t>3/12/24</a:t>
             </a:fld>
             <a:endParaRPr lang="en-US"/>
           </a:p>
@@ -904,7 +904,7 @@
           <a:p>
             <a:fld id="{A998DA84-98B5-DD46-882D-8C2847B204BE}" type="datetimeFigureOut">
               <a:rPr lang="en-US" smtClean="0"/>
-              <a:t>3/3/24</a:t>
+              <a:t>3/12/24</a:t>
             </a:fld>
             <a:endParaRPr lang="en-US"/>
           </a:p>
@@ -1112,7 +1112,7 @@
           <a:p>
             <a:fld id="{A998DA84-98B5-DD46-882D-8C2847B204BE}" type="datetimeFigureOut">
               <a:rPr lang="en-US" smtClean="0"/>
-              <a:t>3/3/24</a:t>
+              <a:t>3/12/24</a:t>
             </a:fld>
             <a:endParaRPr lang="en-US"/>
           </a:p>
@@ -1310,7 +1310,7 @@
           <a:p>
             <a:fld id="{A998DA84-98B5-DD46-882D-8C2847B204BE}" type="datetimeFigureOut">
               <a:rPr lang="en-US" smtClean="0"/>
-              <a:t>3/3/24</a:t>
+              <a:t>3/12/24</a:t>
             </a:fld>
             <a:endParaRPr lang="en-US"/>
           </a:p>
@@ -1585,7 +1585,7 @@
           <a:p>
             <a:fld id="{A998DA84-98B5-DD46-882D-8C2847B204BE}" type="datetimeFigureOut">
               <a:rPr lang="en-US" smtClean="0"/>
-              <a:t>3/3/24</a:t>
+              <a:t>3/12/24</a:t>
             </a:fld>
             <a:endParaRPr lang="en-US"/>
           </a:p>
@@ -1850,7 +1850,7 @@
           <a:p>
             <a:fld id="{A998DA84-98B5-DD46-882D-8C2847B204BE}" type="datetimeFigureOut">
               <a:rPr lang="en-US" smtClean="0"/>
-              <a:t>3/3/24</a:t>
+              <a:t>3/12/24</a:t>
             </a:fld>
             <a:endParaRPr lang="en-US"/>
           </a:p>
@@ -2262,7 +2262,7 @@
           <a:p>
             <a:fld id="{A998DA84-98B5-DD46-882D-8C2847B204BE}" type="datetimeFigureOut">
               <a:rPr lang="en-US" smtClean="0"/>
-              <a:t>3/3/24</a:t>
+              <a:t>3/12/24</a:t>
             </a:fld>
             <a:endParaRPr lang="en-US"/>
           </a:p>
@@ -2403,7 +2403,7 @@
           <a:p>
             <a:fld id="{A998DA84-98B5-DD46-882D-8C2847B204BE}" type="datetimeFigureOut">
               <a:rPr lang="en-US" smtClean="0"/>
-              <a:t>3/3/24</a:t>
+              <a:t>3/12/24</a:t>
             </a:fld>
             <a:endParaRPr lang="en-US"/>
           </a:p>
@@ -2516,7 +2516,7 @@
           <a:p>
             <a:fld id="{A998DA84-98B5-DD46-882D-8C2847B204BE}" type="datetimeFigureOut">
               <a:rPr lang="en-US" smtClean="0"/>
-              <a:t>3/3/24</a:t>
+              <a:t>3/12/24</a:t>
             </a:fld>
             <a:endParaRPr lang="en-US"/>
           </a:p>
@@ -2827,7 +2827,7 @@
           <a:p>
             <a:fld id="{A998DA84-98B5-DD46-882D-8C2847B204BE}" type="datetimeFigureOut">
               <a:rPr lang="en-US" smtClean="0"/>
-              <a:t>3/3/24</a:t>
+              <a:t>3/12/24</a:t>
             </a:fld>
             <a:endParaRPr lang="en-US"/>
           </a:p>
@@ -3115,7 +3115,7 @@
           <a:p>
             <a:fld id="{A998DA84-98B5-DD46-882D-8C2847B204BE}" type="datetimeFigureOut">
               <a:rPr lang="en-US" smtClean="0"/>
-              <a:t>3/3/24</a:t>
+              <a:t>3/12/24</a:t>
             </a:fld>
             <a:endParaRPr lang="en-US"/>
           </a:p>
@@ -3356,7 +3356,7 @@
           <a:p>
             <a:fld id="{A998DA84-98B5-DD46-882D-8C2847B204BE}" type="datetimeFigureOut">
               <a:rPr lang="en-US" smtClean="0"/>
-              <a:t>3/3/24</a:t>
+              <a:t>3/12/24</a:t>
             </a:fld>
             <a:endParaRPr lang="en-US"/>
           </a:p>
@@ -3788,7 +3788,7 @@
         <p:spPr>
           <a:xfrm>
             <a:off x="5892142" y="2787219"/>
-            <a:ext cx="534525" cy="320634"/>
+            <a:ext cx="623913" cy="320634"/>
           </a:xfrm>
           <a:prstGeom prst="rightArrow">
             <a:avLst/>
@@ -3833,8 +3833,8 @@
         </p:nvSpPr>
         <p:spPr>
           <a:xfrm>
-            <a:off x="5784171" y="2361625"/>
-            <a:ext cx="759311" cy="461665"/>
+            <a:off x="5773285" y="2140544"/>
+            <a:ext cx="876857" cy="584775"/>
           </a:xfrm>
           <a:prstGeom prst="rect">
             <a:avLst/>
@@ -3849,10 +3849,10 @@
           <a:p>
             <a:pPr algn="ctr"/>
             <a:r>
-              <a:rPr lang="en-US" sz="1200" dirty="0"/>
+              <a:rPr lang="en-US" sz="1600"/>
               <a:t>Merge-Inliers</a:t>
             </a:r>
-            <a:endParaRPr lang="en-US" sz="1200" baseline="-25000" dirty="0"/>
+            <a:endParaRPr lang="en-US" sz="1600" baseline="-25000" dirty="0"/>
           </a:p>
         </p:txBody>
       </p:sp>
@@ -3870,7 +3870,7 @@
         </p:nvSpPr>
         <p:spPr>
           <a:xfrm rot="16200000">
-            <a:off x="9116062" y="2064444"/>
+            <a:off x="9203150" y="2064444"/>
             <a:ext cx="1149703" cy="1082220"/>
           </a:xfrm>
           <a:prstGeom prst="ellipse">
@@ -3923,8 +3923,8 @@
         </p:nvSpPr>
         <p:spPr>
           <a:xfrm>
-            <a:off x="6434624" y="1581450"/>
-            <a:ext cx="4114800" cy="2743200"/>
+            <a:off x="6521712" y="1783331"/>
+            <a:ext cx="4114800" cy="2320096"/>
           </a:xfrm>
           <a:prstGeom prst="rect">
             <a:avLst/>
@@ -3973,7 +3973,7 @@
         </p:nvSpPr>
         <p:spPr>
           <a:xfrm rot="13973668">
-            <a:off x="7499016" y="2286754"/>
+            <a:off x="7586104" y="2286754"/>
             <a:ext cx="2179762" cy="1149459"/>
           </a:xfrm>
           <a:prstGeom prst="ellipse">
@@ -4027,7 +4027,7 @@
         </p:nvSpPr>
         <p:spPr>
           <a:xfrm rot="16200000">
-            <a:off x="6936994" y="2773343"/>
+            <a:off x="7024082" y="2773343"/>
             <a:ext cx="1146303" cy="1069520"/>
           </a:xfrm>
           <a:prstGeom prst="ellipse">
@@ -4080,7 +4080,7 @@
         </p:nvSpPr>
         <p:spPr>
           <a:xfrm rot="16200000">
-            <a:off x="8574801" y="3337889"/>
+            <a:off x="8661889" y="3337889"/>
             <a:ext cx="186152" cy="186152"/>
           </a:xfrm>
           <a:prstGeom prst="ellipse">
@@ -4132,7 +4132,7 @@
         </p:nvSpPr>
         <p:spPr>
           <a:xfrm rot="16200000">
-            <a:off x="8582162" y="2716479"/>
+            <a:off x="8669250" y="2716479"/>
             <a:ext cx="186152" cy="186152"/>
           </a:xfrm>
           <a:prstGeom prst="ellipse">
@@ -4184,7 +4184,7 @@
         </p:nvSpPr>
         <p:spPr>
           <a:xfrm rot="16200000">
-            <a:off x="8334103" y="2897889"/>
+            <a:off x="8421191" y="2897889"/>
             <a:ext cx="186152" cy="186152"/>
           </a:xfrm>
           <a:prstGeom prst="ellipse">
@@ -4236,7 +4236,7 @@
         </p:nvSpPr>
         <p:spPr>
           <a:xfrm rot="16200000">
-            <a:off x="8633456" y="2335873"/>
+            <a:off x="8720544" y="2335873"/>
             <a:ext cx="186152" cy="186152"/>
           </a:xfrm>
           <a:prstGeom prst="ellipse">
@@ -4288,7 +4288,7 @@
         </p:nvSpPr>
         <p:spPr>
           <a:xfrm rot="16200000">
-            <a:off x="8053297" y="2165282"/>
+            <a:off x="8140385" y="2165282"/>
             <a:ext cx="186152" cy="186152"/>
           </a:xfrm>
           <a:prstGeom prst="ellipse">
@@ -4340,7 +4340,7 @@
         </p:nvSpPr>
         <p:spPr>
           <a:xfrm rot="16200000">
-            <a:off x="9066673" y="3015848"/>
+            <a:off x="9153761" y="3015848"/>
             <a:ext cx="186152" cy="186152"/>
           </a:xfrm>
           <a:prstGeom prst="ellipse">
@@ -4392,7 +4392,7 @@
         </p:nvSpPr>
         <p:spPr>
           <a:xfrm rot="16200000">
-            <a:off x="9333097" y="2632380"/>
+            <a:off x="9420185" y="2632380"/>
             <a:ext cx="186152" cy="186152"/>
           </a:xfrm>
           <a:prstGeom prst="ellipse">
@@ -4443,7 +4443,7 @@
         </p:nvSpPr>
         <p:spPr>
           <a:xfrm rot="16200000">
-            <a:off x="9707680" y="2193128"/>
+            <a:off x="9794768" y="2193128"/>
             <a:ext cx="186152" cy="186152"/>
           </a:xfrm>
           <a:prstGeom prst="ellipse">
@@ -4494,7 +4494,7 @@
         </p:nvSpPr>
         <p:spPr>
           <a:xfrm rot="16200000">
-            <a:off x="9782560" y="2792848"/>
+            <a:off x="9869648" y="2792848"/>
             <a:ext cx="186152" cy="186152"/>
           </a:xfrm>
           <a:prstGeom prst="ellipse">
@@ -4545,7 +4545,7 @@
         </p:nvSpPr>
         <p:spPr>
           <a:xfrm rot="16200000">
-            <a:off x="7281774" y="3578721"/>
+            <a:off x="7368862" y="3578721"/>
             <a:ext cx="186152" cy="186152"/>
           </a:xfrm>
           <a:prstGeom prst="ellipse">
@@ -4596,7 +4596,7 @@
         </p:nvSpPr>
         <p:spPr>
           <a:xfrm rot="16200000">
-            <a:off x="7697278" y="3274410"/>
+            <a:off x="7784366" y="3274410"/>
             <a:ext cx="186152" cy="186152"/>
           </a:xfrm>
           <a:prstGeom prst="ellipse">
@@ -4647,7 +4647,7 @@
         </p:nvSpPr>
         <p:spPr>
           <a:xfrm rot="16200000">
-            <a:off x="7318902" y="2888013"/>
+            <a:off x="7405990" y="2888013"/>
             <a:ext cx="186152" cy="186152"/>
           </a:xfrm>
           <a:prstGeom prst="ellipse">
@@ -4698,8 +4698,8 @@
         </p:nvSpPr>
         <p:spPr>
           <a:xfrm>
-            <a:off x="8712394" y="3324296"/>
-            <a:ext cx="757508" cy="276999"/>
+            <a:off x="8799482" y="3324296"/>
+            <a:ext cx="757508" cy="338554"/>
           </a:xfrm>
           <a:prstGeom prst="rect">
             <a:avLst/>
@@ -4714,11 +4714,11 @@
           <a:p>
             <a:pPr algn="ctr"/>
             <a:r>
-              <a:rPr lang="en-US" sz="1200" dirty="0"/>
+              <a:rPr lang="en-US" sz="1600" dirty="0"/>
               <a:t>C</a:t>
             </a:r>
             <a:r>
-              <a:rPr lang="en-US" sz="1200" baseline="-25000" dirty="0"/>
+              <a:rPr lang="en-US" sz="1600" baseline="-25000" dirty="0"/>
               <a:t>1</a:t>
             </a:r>
           </a:p>
@@ -4738,8 +4738,8 @@
         </p:nvSpPr>
         <p:spPr>
           <a:xfrm>
-            <a:off x="9648995" y="2363030"/>
-            <a:ext cx="757508" cy="276999"/>
+            <a:off x="9736083" y="2363030"/>
+            <a:ext cx="757508" cy="338554"/>
           </a:xfrm>
           <a:prstGeom prst="rect">
             <a:avLst/>
@@ -4754,11 +4754,11 @@
           <a:p>
             <a:pPr algn="ctr"/>
             <a:r>
-              <a:rPr lang="en-US" sz="1200" dirty="0"/>
+              <a:rPr lang="en-US" sz="1600" dirty="0"/>
               <a:t>C</a:t>
             </a:r>
             <a:r>
-              <a:rPr lang="en-US" sz="1200" baseline="-25000" dirty="0"/>
+              <a:rPr lang="en-US" sz="1600" baseline="-25000" dirty="0"/>
               <a:t>3</a:t>
             </a:r>
           </a:p>
@@ -4778,8 +4778,8 @@
         </p:nvSpPr>
         <p:spPr>
           <a:xfrm>
-            <a:off x="7264665" y="3461520"/>
-            <a:ext cx="757508" cy="276999"/>
+            <a:off x="7351753" y="3461520"/>
+            <a:ext cx="757508" cy="338554"/>
           </a:xfrm>
           <a:prstGeom prst="rect">
             <a:avLst/>
@@ -4794,11 +4794,11 @@
           <a:p>
             <a:pPr algn="ctr"/>
             <a:r>
-              <a:rPr lang="en-US" sz="1200" dirty="0"/>
+              <a:rPr lang="en-US" sz="1600" dirty="0"/>
               <a:t>C</a:t>
             </a:r>
             <a:r>
-              <a:rPr lang="en-US" sz="1200" baseline="-25000" dirty="0"/>
+              <a:rPr lang="en-US" sz="1600" baseline="-25000" dirty="0"/>
               <a:t>4</a:t>
             </a:r>
           </a:p>
@@ -5136,8 +5136,8 @@
         </p:nvSpPr>
         <p:spPr>
           <a:xfrm rot="10800000">
-            <a:off x="1774611" y="1581451"/>
-            <a:ext cx="4114800" cy="2743200"/>
+            <a:off x="1774611" y="1783331"/>
+            <a:ext cx="4114800" cy="2320096"/>
           </a:xfrm>
           <a:prstGeom prst="rect">
             <a:avLst/>
@@ -5700,8 +5700,8 @@
         </p:nvSpPr>
         <p:spPr>
           <a:xfrm>
-            <a:off x="1760510" y="2450634"/>
-            <a:ext cx="867048" cy="276999"/>
+            <a:off x="1695193" y="2309118"/>
+            <a:ext cx="1076707" cy="338554"/>
           </a:xfrm>
           <a:prstGeom prst="rect">
             <a:avLst/>
@@ -5716,7 +5716,7 @@
           <a:p>
             <a:pPr algn="ctr"/>
             <a:r>
-              <a:rPr lang="en-US" sz="1200" dirty="0"/>
+              <a:rPr lang="en-US" sz="1600" dirty="0"/>
               <a:t>1/3 Points</a:t>
             </a:r>
           </a:p>
@@ -5736,8 +5736,8 @@
         </p:nvSpPr>
         <p:spPr>
           <a:xfrm>
-            <a:off x="4235300" y="3911581"/>
-            <a:ext cx="867048" cy="276999"/>
+            <a:off x="4566467" y="3764873"/>
+            <a:ext cx="1082220" cy="338554"/>
           </a:xfrm>
           <a:prstGeom prst="rect">
             <a:avLst/>
@@ -5752,7 +5752,7 @@
           <a:p>
             <a:pPr algn="ctr"/>
             <a:r>
-              <a:rPr lang="en-US" sz="1200" dirty="0"/>
+              <a:rPr lang="en-US" sz="1600" dirty="0"/>
               <a:t>2/3 Points</a:t>
             </a:r>
           </a:p>
@@ -5772,8 +5772,8 @@
         </p:nvSpPr>
         <p:spPr>
           <a:xfrm>
-            <a:off x="5027184" y="1739788"/>
-            <a:ext cx="867048" cy="276999"/>
+            <a:off x="4874781" y="1783332"/>
+            <a:ext cx="1068816" cy="338554"/>
           </a:xfrm>
           <a:prstGeom prst="rect">
             <a:avLst/>
@@ -5788,7 +5788,7 @@
           <a:p>
             <a:pPr algn="ctr"/>
             <a:r>
-              <a:rPr lang="en-US" sz="1200" dirty="0"/>
+              <a:rPr lang="en-US" sz="1600" dirty="0"/>
               <a:t>0/3 Points</a:t>
             </a:r>
           </a:p>
@@ -5805,7 +5805,7 @@
           </p:cNvPr>
           <p:cNvCxnSpPr>
             <a:cxnSpLocks/>
-            <a:stCxn id="41" idx="0"/>
+            <a:stCxn id="41" idx="1"/>
             <a:endCxn id="14" idx="7"/>
           </p:cNvCxnSpPr>
           <p:nvPr/>
@@ -5813,7 +5813,7 @@
         <p:spPr>
           <a:xfrm flipH="1" flipV="1">
             <a:off x="4379504" y="3805130"/>
-            <a:ext cx="289320" cy="106451"/>
+            <a:ext cx="186963" cy="129020"/>
           </a:xfrm>
           <a:prstGeom prst="straightConnector1">
             <a:avLst/>
@@ -5855,8 +5855,8 @@
         </p:nvCxnSpPr>
         <p:spPr>
           <a:xfrm flipH="1">
-            <a:off x="5257338" y="2016787"/>
-            <a:ext cx="203370" cy="170888"/>
+            <a:off x="5257338" y="2121886"/>
+            <a:ext cx="151851" cy="65789"/>
           </a:xfrm>
           <a:prstGeom prst="straightConnector1">
             <a:avLst/>
@@ -5898,8 +5898,8 @@
         </p:nvCxnSpPr>
         <p:spPr>
           <a:xfrm>
-            <a:off x="2194034" y="2727633"/>
-            <a:ext cx="121781" cy="161389"/>
+            <a:off x="2233547" y="2647672"/>
+            <a:ext cx="82268" cy="241350"/>
           </a:xfrm>
           <a:prstGeom prst="straightConnector1">
             <a:avLst/>
@@ -5938,7 +5938,7 @@
         <p:spPr>
           <a:xfrm>
             <a:off x="2915009" y="2277414"/>
-            <a:ext cx="757508" cy="276999"/>
+            <a:ext cx="757508" cy="338554"/>
           </a:xfrm>
           <a:prstGeom prst="rect">
             <a:avLst/>
@@ -5953,11 +5953,11 @@
           <a:p>
             <a:pPr algn="ctr"/>
             <a:r>
-              <a:rPr lang="en-US" sz="1200" dirty="0"/>
+              <a:rPr lang="en-US" sz="1600" dirty="0"/>
               <a:t>C</a:t>
             </a:r>
             <a:r>
-              <a:rPr lang="en-US" sz="1200" baseline="-25000" dirty="0"/>
+              <a:rPr lang="en-US" sz="1600" baseline="-25000" dirty="0"/>
               <a:t>1</a:t>
             </a:r>
           </a:p>
@@ -5978,7 +5978,7 @@
         <p:spPr>
           <a:xfrm>
             <a:off x="1978408" y="3238680"/>
-            <a:ext cx="757508" cy="276999"/>
+            <a:ext cx="757508" cy="338554"/>
           </a:xfrm>
           <a:prstGeom prst="rect">
             <a:avLst/>
@@ -5993,11 +5993,11 @@
           <a:p>
             <a:pPr algn="ctr"/>
             <a:r>
-              <a:rPr lang="en-US" sz="1200" dirty="0"/>
+              <a:rPr lang="en-US" sz="1600" dirty="0"/>
               <a:t>C</a:t>
             </a:r>
             <a:r>
-              <a:rPr lang="en-US" sz="1200" baseline="-25000" dirty="0"/>
+              <a:rPr lang="en-US" sz="1600" baseline="-25000" dirty="0"/>
               <a:t>3</a:t>
             </a:r>
           </a:p>
@@ -6018,7 +6018,7 @@
         <p:spPr>
           <a:xfrm>
             <a:off x="4362738" y="2140190"/>
-            <a:ext cx="757508" cy="276999"/>
+            <a:ext cx="757508" cy="338554"/>
           </a:xfrm>
           <a:prstGeom prst="rect">
             <a:avLst/>
@@ -6033,11 +6033,11 @@
           <a:p>
             <a:pPr algn="ctr"/>
             <a:r>
-              <a:rPr lang="en-US" sz="1200" dirty="0"/>
+              <a:rPr lang="en-US" sz="1600" dirty="0"/>
               <a:t>C</a:t>
             </a:r>
             <a:r>
-              <a:rPr lang="en-US" sz="1200" baseline="-25000" dirty="0"/>
+              <a:rPr lang="en-US" sz="1600" baseline="-25000" dirty="0"/>
               <a:t>4</a:t>
             </a:r>
           </a:p>
@@ -6058,7 +6058,7 @@
         <p:spPr>
           <a:xfrm>
             <a:off x="3579789" y="3657079"/>
-            <a:ext cx="757508" cy="276999"/>
+            <a:ext cx="757508" cy="338554"/>
           </a:xfrm>
           <a:prstGeom prst="rect">
             <a:avLst/>
@@ -6073,11 +6073,11 @@
           <a:p>
             <a:pPr algn="ctr"/>
             <a:r>
-              <a:rPr lang="en-US" sz="1200" dirty="0"/>
+              <a:rPr lang="en-US" sz="1600" dirty="0"/>
               <a:t>C</a:t>
             </a:r>
             <a:r>
-              <a:rPr lang="en-US" sz="1200" baseline="-25000" dirty="0"/>
+              <a:rPr lang="en-US" sz="1600" baseline="-25000" dirty="0"/>
               <a:t>2</a:t>
             </a:r>
           </a:p>

--- a/Figures_EP/MergeCluster/AD.pptx
+++ b/Figures_EP/MergeCluster/AD.pptx
@@ -208,7 +208,7 @@
           <a:p>
             <a:fld id="{FE4DCF00-3990-0448-82D8-96AFC5DCA7B6}" type="datetimeFigureOut">
               <a:rPr lang="en-US" smtClean="0"/>
-              <a:t>3/12/24</a:t>
+              <a:t>3/18/24</a:t>
             </a:fld>
             <a:endParaRPr lang="en-US"/>
           </a:p>
@@ -706,7 +706,7 @@
           <a:p>
             <a:fld id="{A998DA84-98B5-DD46-882D-8C2847B204BE}" type="datetimeFigureOut">
               <a:rPr lang="en-US" smtClean="0"/>
-              <a:t>3/12/24</a:t>
+              <a:t>3/18/24</a:t>
             </a:fld>
             <a:endParaRPr lang="en-US"/>
           </a:p>
@@ -904,7 +904,7 @@
           <a:p>
             <a:fld id="{A998DA84-98B5-DD46-882D-8C2847B204BE}" type="datetimeFigureOut">
               <a:rPr lang="en-US" smtClean="0"/>
-              <a:t>3/12/24</a:t>
+              <a:t>3/18/24</a:t>
             </a:fld>
             <a:endParaRPr lang="en-US"/>
           </a:p>
@@ -1112,7 +1112,7 @@
           <a:p>
             <a:fld id="{A998DA84-98B5-DD46-882D-8C2847B204BE}" type="datetimeFigureOut">
               <a:rPr lang="en-US" smtClean="0"/>
-              <a:t>3/12/24</a:t>
+              <a:t>3/18/24</a:t>
             </a:fld>
             <a:endParaRPr lang="en-US"/>
           </a:p>
@@ -1310,7 +1310,7 @@
           <a:p>
             <a:fld id="{A998DA84-98B5-DD46-882D-8C2847B204BE}" type="datetimeFigureOut">
               <a:rPr lang="en-US" smtClean="0"/>
-              <a:t>3/12/24</a:t>
+              <a:t>3/18/24</a:t>
             </a:fld>
             <a:endParaRPr lang="en-US"/>
           </a:p>
@@ -1585,7 +1585,7 @@
           <a:p>
             <a:fld id="{A998DA84-98B5-DD46-882D-8C2847B204BE}" type="datetimeFigureOut">
               <a:rPr lang="en-US" smtClean="0"/>
-              <a:t>3/12/24</a:t>
+              <a:t>3/18/24</a:t>
             </a:fld>
             <a:endParaRPr lang="en-US"/>
           </a:p>
@@ -1850,7 +1850,7 @@
           <a:p>
             <a:fld id="{A998DA84-98B5-DD46-882D-8C2847B204BE}" type="datetimeFigureOut">
               <a:rPr lang="en-US" smtClean="0"/>
-              <a:t>3/12/24</a:t>
+              <a:t>3/18/24</a:t>
             </a:fld>
             <a:endParaRPr lang="en-US"/>
           </a:p>
@@ -2262,7 +2262,7 @@
           <a:p>
             <a:fld id="{A998DA84-98B5-DD46-882D-8C2847B204BE}" type="datetimeFigureOut">
               <a:rPr lang="en-US" smtClean="0"/>
-              <a:t>3/12/24</a:t>
+              <a:t>3/18/24</a:t>
             </a:fld>
             <a:endParaRPr lang="en-US"/>
           </a:p>
@@ -2403,7 +2403,7 @@
           <a:p>
             <a:fld id="{A998DA84-98B5-DD46-882D-8C2847B204BE}" type="datetimeFigureOut">
               <a:rPr lang="en-US" smtClean="0"/>
-              <a:t>3/12/24</a:t>
+              <a:t>3/18/24</a:t>
             </a:fld>
             <a:endParaRPr lang="en-US"/>
           </a:p>
@@ -2516,7 +2516,7 @@
           <a:p>
             <a:fld id="{A998DA84-98B5-DD46-882D-8C2847B204BE}" type="datetimeFigureOut">
               <a:rPr lang="en-US" smtClean="0"/>
-              <a:t>3/12/24</a:t>
+              <a:t>3/18/24</a:t>
             </a:fld>
             <a:endParaRPr lang="en-US"/>
           </a:p>
@@ -2827,7 +2827,7 @@
           <a:p>
             <a:fld id="{A998DA84-98B5-DD46-882D-8C2847B204BE}" type="datetimeFigureOut">
               <a:rPr lang="en-US" smtClean="0"/>
-              <a:t>3/12/24</a:t>
+              <a:t>3/18/24</a:t>
             </a:fld>
             <a:endParaRPr lang="en-US"/>
           </a:p>
@@ -3115,7 +3115,7 @@
           <a:p>
             <a:fld id="{A998DA84-98B5-DD46-882D-8C2847B204BE}" type="datetimeFigureOut">
               <a:rPr lang="en-US" smtClean="0"/>
-              <a:t>3/12/24</a:t>
+              <a:t>3/18/24</a:t>
             </a:fld>
             <a:endParaRPr lang="en-US"/>
           </a:p>
@@ -3356,7 +3356,7 @@
           <a:p>
             <a:fld id="{A998DA84-98B5-DD46-882D-8C2847B204BE}" type="datetimeFigureOut">
               <a:rPr lang="en-US" smtClean="0"/>
-              <a:t>3/12/24</a:t>
+              <a:t>3/18/24</a:t>
             </a:fld>
             <a:endParaRPr lang="en-US"/>
           </a:p>
@@ -3869,8 +3869,8 @@
           <p:nvPr/>
         </p:nvSpPr>
         <p:spPr>
-          <a:xfrm rot="16200000">
-            <a:off x="9203150" y="2064444"/>
+          <a:xfrm rot="5400000">
+            <a:off x="6805371" y="2728366"/>
             <a:ext cx="1149703" cy="1082220"/>
           </a:xfrm>
           <a:prstGeom prst="ellipse">
@@ -3922,8 +3922,8 @@
           <p:nvPr/>
         </p:nvSpPr>
         <p:spPr>
-          <a:xfrm>
-            <a:off x="6521712" y="1783331"/>
+          <a:xfrm rot="10800000">
+            <a:off x="6521712" y="1771603"/>
             <a:ext cx="4114800" cy="2320096"/>
           </a:xfrm>
           <a:prstGeom prst="rect">
@@ -3972,8 +3972,8 @@
           <p:nvPr/>
         </p:nvSpPr>
         <p:spPr>
-          <a:xfrm rot="13973668">
-            <a:off x="7586104" y="2286754"/>
+          <a:xfrm rot="3173668">
+            <a:off x="7392358" y="2438817"/>
             <a:ext cx="2179762" cy="1149459"/>
           </a:xfrm>
           <a:prstGeom prst="ellipse">
@@ -4026,8 +4026,8 @@
           <p:nvPr/>
         </p:nvSpPr>
         <p:spPr>
-          <a:xfrm rot="16200000">
-            <a:off x="7024082" y="2773343"/>
+          <a:xfrm rot="5400000">
+            <a:off x="8987839" y="2032167"/>
             <a:ext cx="1146303" cy="1069520"/>
           </a:xfrm>
           <a:prstGeom prst="ellipse">
@@ -4079,8 +4079,8 @@
           <p:nvPr/>
         </p:nvSpPr>
         <p:spPr>
-          <a:xfrm rot="16200000">
-            <a:off x="8661889" y="3337889"/>
+          <a:xfrm rot="5400000">
+            <a:off x="8310183" y="2350989"/>
             <a:ext cx="186152" cy="186152"/>
           </a:xfrm>
           <a:prstGeom prst="ellipse">
@@ -4131,8 +4131,8 @@
           <p:nvPr/>
         </p:nvSpPr>
         <p:spPr>
-          <a:xfrm rot="16200000">
-            <a:off x="8669250" y="2716479"/>
+          <a:xfrm rot="5400000">
+            <a:off x="8302822" y="2972399"/>
             <a:ext cx="186152" cy="186152"/>
           </a:xfrm>
           <a:prstGeom prst="ellipse">
@@ -4183,8 +4183,8 @@
           <p:nvPr/>
         </p:nvSpPr>
         <p:spPr>
-          <a:xfrm rot="16200000">
-            <a:off x="8421191" y="2897889"/>
+          <a:xfrm rot="5400000">
+            <a:off x="8550881" y="2790989"/>
             <a:ext cx="186152" cy="186152"/>
           </a:xfrm>
           <a:prstGeom prst="ellipse">
@@ -4235,8 +4235,8 @@
           <p:nvPr/>
         </p:nvSpPr>
         <p:spPr>
-          <a:xfrm rot="16200000">
-            <a:off x="8720544" y="2335873"/>
+          <a:xfrm rot="5400000">
+            <a:off x="8251528" y="3353005"/>
             <a:ext cx="186152" cy="186152"/>
           </a:xfrm>
           <a:prstGeom prst="ellipse">
@@ -4287,8 +4287,8 @@
           <p:nvPr/>
         </p:nvSpPr>
         <p:spPr>
-          <a:xfrm rot="16200000">
-            <a:off x="8140385" y="2165282"/>
+          <a:xfrm rot="5400000">
+            <a:off x="8831687" y="3523596"/>
             <a:ext cx="186152" cy="186152"/>
           </a:xfrm>
           <a:prstGeom prst="ellipse">
@@ -4339,8 +4339,8 @@
           <p:nvPr/>
         </p:nvSpPr>
         <p:spPr>
-          <a:xfrm rot="16200000">
-            <a:off x="9153761" y="3015848"/>
+          <a:xfrm rot="5400000">
+            <a:off x="7818311" y="2673030"/>
             <a:ext cx="186152" cy="186152"/>
           </a:xfrm>
           <a:prstGeom prst="ellipse">
@@ -4391,8 +4391,8 @@
           <p:nvPr/>
         </p:nvSpPr>
         <p:spPr>
-          <a:xfrm rot="16200000">
-            <a:off x="9420185" y="2632380"/>
+          <a:xfrm rot="5400000">
+            <a:off x="7551887" y="3056498"/>
             <a:ext cx="186152" cy="186152"/>
           </a:xfrm>
           <a:prstGeom prst="ellipse">
@@ -4442,8 +4442,8 @@
           <p:nvPr/>
         </p:nvSpPr>
         <p:spPr>
-          <a:xfrm rot="16200000">
-            <a:off x="9794768" y="2193128"/>
+          <a:xfrm rot="5400000">
+            <a:off x="7177304" y="3495750"/>
             <a:ext cx="186152" cy="186152"/>
           </a:xfrm>
           <a:prstGeom prst="ellipse">
@@ -4493,8 +4493,8 @@
           <p:nvPr/>
         </p:nvSpPr>
         <p:spPr>
-          <a:xfrm rot="16200000">
-            <a:off x="9869648" y="2792848"/>
+          <a:xfrm rot="5400000">
+            <a:off x="7102424" y="2896030"/>
             <a:ext cx="186152" cy="186152"/>
           </a:xfrm>
           <a:prstGeom prst="ellipse">
@@ -4544,8 +4544,8 @@
           <p:nvPr/>
         </p:nvSpPr>
         <p:spPr>
-          <a:xfrm rot="16200000">
-            <a:off x="7368862" y="3578721"/>
+          <a:xfrm rot="5400000">
+            <a:off x="9603210" y="2110157"/>
             <a:ext cx="186152" cy="186152"/>
           </a:xfrm>
           <a:prstGeom prst="ellipse">
@@ -4595,8 +4595,8 @@
           <p:nvPr/>
         </p:nvSpPr>
         <p:spPr>
-          <a:xfrm rot="16200000">
-            <a:off x="7784366" y="3274410"/>
+          <a:xfrm rot="5400000">
+            <a:off x="9187706" y="2414468"/>
             <a:ext cx="186152" cy="186152"/>
           </a:xfrm>
           <a:prstGeom prst="ellipse">
@@ -4646,8 +4646,8 @@
           <p:nvPr/>
         </p:nvSpPr>
         <p:spPr>
-          <a:xfrm rot="16200000">
-            <a:off x="7405990" y="2888013"/>
+          <a:xfrm rot="5400000">
+            <a:off x="9566082" y="2800865"/>
             <a:ext cx="186152" cy="186152"/>
           </a:xfrm>
           <a:prstGeom prst="ellipse">
@@ -4738,7 +4738,7 @@
         </p:nvSpPr>
         <p:spPr>
           <a:xfrm>
-            <a:off x="9736083" y="2363030"/>
+            <a:off x="9455316" y="2393891"/>
             <a:ext cx="757508" cy="338554"/>
           </a:xfrm>
           <a:prstGeom prst="rect">
@@ -4759,7 +4759,7 @@
             </a:r>
             <a:r>
               <a:rPr lang="en-US" sz="1600" baseline="-25000" dirty="0"/>
-              <a:t>3</a:t>
+              <a:t>4</a:t>
             </a:r>
           </a:p>
         </p:txBody>
@@ -4778,7 +4778,7 @@
         </p:nvSpPr>
         <p:spPr>
           <a:xfrm>
-            <a:off x="7351753" y="3461520"/>
+            <a:off x="7212244" y="3396343"/>
             <a:ext cx="757508" cy="338554"/>
           </a:xfrm>
           <a:prstGeom prst="rect">
@@ -4799,7 +4799,7 @@
             </a:r>
             <a:r>
               <a:rPr lang="en-US" sz="1600" baseline="-25000" dirty="0"/>
-              <a:t>4</a:t>
+              <a:t>3</a:t>
             </a:r>
           </a:p>
         </p:txBody>
